--- a/resources/Cryptocurrency Project 2.pptx
+++ b/resources/Cryptocurrency Project 2.pptx
@@ -6064,7 +6064,7 @@
         </p:nvSpPr>
         <p:spPr>
           <a:xfrm>
-            <a:off x="0" y="160583"/>
+            <a:off x="0" y="287583"/>
             <a:ext cx="12192000" cy="6282834"/>
           </a:xfrm>
           <a:prstGeom prst="rect">
@@ -7276,7 +7276,7 @@
         </p:nvSpPr>
         <p:spPr>
           <a:xfrm>
-            <a:off x="0" y="160583"/>
+            <a:off x="0" y="287583"/>
             <a:ext cx="12192000" cy="6282834"/>
           </a:xfrm>
           <a:prstGeom prst="rect">

--- a/resources/Cryptocurrency Project 2.pptx
+++ b/resources/Cryptocurrency Project 2.pptx
@@ -272,7 +272,7 @@
           <a:p>
             <a:fld id="{81B746B9-AEF3-4936-99D8-61217CAEABB8}" type="datetimeFigureOut">
               <a:rPr lang="en-US" smtClean="0"/>
-              <a:t>24-Jan-21</a:t>
+              <a:t>1/24/2021</a:t>
             </a:fld>
             <a:endParaRPr lang="en-US"/>
           </a:p>
@@ -470,7 +470,7 @@
           <a:p>
             <a:fld id="{81B746B9-AEF3-4936-99D8-61217CAEABB8}" type="datetimeFigureOut">
               <a:rPr lang="en-US" smtClean="0"/>
-              <a:t>24-Jan-21</a:t>
+              <a:t>1/24/2021</a:t>
             </a:fld>
             <a:endParaRPr lang="en-US"/>
           </a:p>
@@ -678,7 +678,7 @@
           <a:p>
             <a:fld id="{81B746B9-AEF3-4936-99D8-61217CAEABB8}" type="datetimeFigureOut">
               <a:rPr lang="en-US" smtClean="0"/>
-              <a:t>24-Jan-21</a:t>
+              <a:t>1/24/2021</a:t>
             </a:fld>
             <a:endParaRPr lang="en-US"/>
           </a:p>
@@ -876,7 +876,7 @@
           <a:p>
             <a:fld id="{81B746B9-AEF3-4936-99D8-61217CAEABB8}" type="datetimeFigureOut">
               <a:rPr lang="en-US" smtClean="0"/>
-              <a:t>24-Jan-21</a:t>
+              <a:t>1/24/2021</a:t>
             </a:fld>
             <a:endParaRPr lang="en-US"/>
           </a:p>
@@ -1151,7 +1151,7 @@
           <a:p>
             <a:fld id="{81B746B9-AEF3-4936-99D8-61217CAEABB8}" type="datetimeFigureOut">
               <a:rPr lang="en-US" smtClean="0"/>
-              <a:t>24-Jan-21</a:t>
+              <a:t>1/24/2021</a:t>
             </a:fld>
             <a:endParaRPr lang="en-US"/>
           </a:p>
@@ -1416,7 +1416,7 @@
           <a:p>
             <a:fld id="{81B746B9-AEF3-4936-99D8-61217CAEABB8}" type="datetimeFigureOut">
               <a:rPr lang="en-US" smtClean="0"/>
-              <a:t>24-Jan-21</a:t>
+              <a:t>1/24/2021</a:t>
             </a:fld>
             <a:endParaRPr lang="en-US"/>
           </a:p>
@@ -1828,7 +1828,7 @@
           <a:p>
             <a:fld id="{81B746B9-AEF3-4936-99D8-61217CAEABB8}" type="datetimeFigureOut">
               <a:rPr lang="en-US" smtClean="0"/>
-              <a:t>24-Jan-21</a:t>
+              <a:t>1/24/2021</a:t>
             </a:fld>
             <a:endParaRPr lang="en-US"/>
           </a:p>
@@ -1969,7 +1969,7 @@
           <a:p>
             <a:fld id="{81B746B9-AEF3-4936-99D8-61217CAEABB8}" type="datetimeFigureOut">
               <a:rPr lang="en-US" smtClean="0"/>
-              <a:t>24-Jan-21</a:t>
+              <a:t>1/24/2021</a:t>
             </a:fld>
             <a:endParaRPr lang="en-US"/>
           </a:p>
@@ -2082,7 +2082,7 @@
           <a:p>
             <a:fld id="{81B746B9-AEF3-4936-99D8-61217CAEABB8}" type="datetimeFigureOut">
               <a:rPr lang="en-US" smtClean="0"/>
-              <a:t>24-Jan-21</a:t>
+              <a:t>1/24/2021</a:t>
             </a:fld>
             <a:endParaRPr lang="en-US"/>
           </a:p>
@@ -2393,7 +2393,7 @@
           <a:p>
             <a:fld id="{81B746B9-AEF3-4936-99D8-61217CAEABB8}" type="datetimeFigureOut">
               <a:rPr lang="en-US" smtClean="0"/>
-              <a:t>24-Jan-21</a:t>
+              <a:t>1/24/2021</a:t>
             </a:fld>
             <a:endParaRPr lang="en-US"/>
           </a:p>
@@ -2681,7 +2681,7 @@
           <a:p>
             <a:fld id="{81B746B9-AEF3-4936-99D8-61217CAEABB8}" type="datetimeFigureOut">
               <a:rPr lang="en-US" smtClean="0"/>
-              <a:t>24-Jan-21</a:t>
+              <a:t>1/24/2021</a:t>
             </a:fld>
             <a:endParaRPr lang="en-US"/>
           </a:p>
@@ -2922,7 +2922,7 @@
           <a:p>
             <a:fld id="{81B746B9-AEF3-4936-99D8-61217CAEABB8}" type="datetimeFigureOut">
               <a:rPr lang="en-US" smtClean="0"/>
-              <a:t>24-Jan-21</a:t>
+              <a:t>1/24/2021</a:t>
             </a:fld>
             <a:endParaRPr lang="en-US"/>
           </a:p>
@@ -4737,7 +4737,27 @@
                 <a:latin typeface="Calibri" panose="020F0502020204030204" pitchFamily="34" charset="0"/>
                 <a:cs typeface="Calibri" panose="020F0502020204030204" pitchFamily="34" charset="0"/>
               </a:rPr>
-              <a:t>We managed to get one visualization working after one day resolving the Flash routes</a:t>
+              <a:t>We managed to get one visualization working after one day resolving </a:t>
+            </a:r>
+            <a:r>
+              <a:rPr lang="en-US" sz="3400">
+                <a:solidFill>
+                  <a:schemeClr val="bg1"/>
+                </a:solidFill>
+                <a:latin typeface="Calibri" panose="020F0502020204030204" pitchFamily="34" charset="0"/>
+                <a:cs typeface="Calibri" panose="020F0502020204030204" pitchFamily="34" charset="0"/>
+              </a:rPr>
+              <a:t>the Flask </a:t>
+            </a:r>
+            <a:r>
+              <a:rPr lang="en-US" sz="3400" dirty="0">
+                <a:solidFill>
+                  <a:schemeClr val="bg1"/>
+                </a:solidFill>
+                <a:latin typeface="Calibri" panose="020F0502020204030204" pitchFamily="34" charset="0"/>
+                <a:cs typeface="Calibri" panose="020F0502020204030204" pitchFamily="34" charset="0"/>
+              </a:rPr>
+              <a:t>routes</a:t>
             </a:r>
           </a:p>
           <a:p>
